--- a/AI系/教師あり学習.pptx
+++ b/AI系/教師あり学習.pptx
@@ -8,13 +8,15 @@
     <p:sldId id="256" r:id="rId2"/>
     <p:sldId id="260" r:id="rId3"/>
     <p:sldId id="258" r:id="rId4"/>
-    <p:sldId id="257" r:id="rId5"/>
-    <p:sldId id="259" r:id="rId6"/>
-    <p:sldId id="261" r:id="rId7"/>
-    <p:sldId id="262" r:id="rId8"/>
-    <p:sldId id="265" r:id="rId9"/>
-    <p:sldId id="263" r:id="rId10"/>
-    <p:sldId id="264" r:id="rId11"/>
+    <p:sldId id="259" r:id="rId5"/>
+    <p:sldId id="266" r:id="rId6"/>
+    <p:sldId id="257" r:id="rId7"/>
+    <p:sldId id="261" r:id="rId8"/>
+    <p:sldId id="262" r:id="rId9"/>
+    <p:sldId id="267" r:id="rId10"/>
+    <p:sldId id="265" r:id="rId11"/>
+    <p:sldId id="263" r:id="rId12"/>
+    <p:sldId id="264" r:id="rId13"/>
   </p:sldIdLst>
   <p:sldSz cx="9144000" cy="6858000" type="screen4x3"/>
   <p:notesSz cx="6858000" cy="9144000"/>
@@ -252,7 +254,7 @@
           <a:p>
             <a:fld id="{DFD480EC-6E79-4D21-90E0-7CA6446C6324}" type="datetimeFigureOut">
               <a:rPr kumimoji="1" lang="ja-JP" altLang="en-US" smtClean="0"/>
-              <a:t>2019/6/18</a:t>
+              <a:t>2019/6/19</a:t>
             </a:fld>
             <a:endParaRPr kumimoji="1" lang="ja-JP" altLang="en-US"/>
           </a:p>
@@ -454,7 +456,7 @@
           <a:p>
             <a:fld id="{DFD480EC-6E79-4D21-90E0-7CA6446C6324}" type="datetimeFigureOut">
               <a:rPr kumimoji="1" lang="ja-JP" altLang="en-US" smtClean="0"/>
-              <a:t>2019/6/18</a:t>
+              <a:t>2019/6/19</a:t>
             </a:fld>
             <a:endParaRPr kumimoji="1" lang="ja-JP" altLang="en-US"/>
           </a:p>
@@ -666,7 +668,7 @@
           <a:p>
             <a:fld id="{DFD480EC-6E79-4D21-90E0-7CA6446C6324}" type="datetimeFigureOut">
               <a:rPr kumimoji="1" lang="ja-JP" altLang="en-US" smtClean="0"/>
-              <a:t>2019/6/18</a:t>
+              <a:t>2019/6/19</a:t>
             </a:fld>
             <a:endParaRPr kumimoji="1" lang="ja-JP" altLang="en-US"/>
           </a:p>
@@ -868,7 +870,7 @@
           <a:p>
             <a:fld id="{DFD480EC-6E79-4D21-90E0-7CA6446C6324}" type="datetimeFigureOut">
               <a:rPr kumimoji="1" lang="ja-JP" altLang="en-US" smtClean="0"/>
-              <a:t>2019/6/18</a:t>
+              <a:t>2019/6/19</a:t>
             </a:fld>
             <a:endParaRPr kumimoji="1" lang="ja-JP" altLang="en-US"/>
           </a:p>
@@ -1112,7 +1114,7 @@
           <a:p>
             <a:fld id="{DFD480EC-6E79-4D21-90E0-7CA6446C6324}" type="datetimeFigureOut">
               <a:rPr kumimoji="1" lang="ja-JP" altLang="en-US" smtClean="0"/>
-              <a:t>2019/6/18</a:t>
+              <a:t>2019/6/19</a:t>
             </a:fld>
             <a:endParaRPr kumimoji="1" lang="ja-JP" altLang="en-US"/>
           </a:p>
@@ -1408,7 +1410,7 @@
           <a:p>
             <a:fld id="{DFD480EC-6E79-4D21-90E0-7CA6446C6324}" type="datetimeFigureOut">
               <a:rPr kumimoji="1" lang="ja-JP" altLang="en-US" smtClean="0"/>
-              <a:t>2019/6/18</a:t>
+              <a:t>2019/6/19</a:t>
             </a:fld>
             <a:endParaRPr kumimoji="1" lang="ja-JP" altLang="en-US"/>
           </a:p>
@@ -1839,7 +1841,7 @@
           <a:p>
             <a:fld id="{DFD480EC-6E79-4D21-90E0-7CA6446C6324}" type="datetimeFigureOut">
               <a:rPr kumimoji="1" lang="ja-JP" altLang="en-US" smtClean="0"/>
-              <a:t>2019/6/18</a:t>
+              <a:t>2019/6/19</a:t>
             </a:fld>
             <a:endParaRPr kumimoji="1" lang="ja-JP" altLang="en-US"/>
           </a:p>
@@ -1957,7 +1959,7 @@
           <a:p>
             <a:fld id="{DFD480EC-6E79-4D21-90E0-7CA6446C6324}" type="datetimeFigureOut">
               <a:rPr kumimoji="1" lang="ja-JP" altLang="en-US" smtClean="0"/>
-              <a:t>2019/6/18</a:t>
+              <a:t>2019/6/19</a:t>
             </a:fld>
             <a:endParaRPr kumimoji="1" lang="ja-JP" altLang="en-US"/>
           </a:p>
@@ -2052,7 +2054,7 @@
           <a:p>
             <a:fld id="{DFD480EC-6E79-4D21-90E0-7CA6446C6324}" type="datetimeFigureOut">
               <a:rPr kumimoji="1" lang="ja-JP" altLang="en-US" smtClean="0"/>
-              <a:t>2019/6/18</a:t>
+              <a:t>2019/6/19</a:t>
             </a:fld>
             <a:endParaRPr kumimoji="1" lang="ja-JP" altLang="en-US"/>
           </a:p>
@@ -2361,7 +2363,7 @@
           <a:p>
             <a:fld id="{DFD480EC-6E79-4D21-90E0-7CA6446C6324}" type="datetimeFigureOut">
               <a:rPr kumimoji="1" lang="ja-JP" altLang="en-US" smtClean="0"/>
-              <a:t>2019/6/18</a:t>
+              <a:t>2019/6/19</a:t>
             </a:fld>
             <a:endParaRPr kumimoji="1" lang="ja-JP" altLang="en-US"/>
           </a:p>
@@ -2618,7 +2620,7 @@
           <a:p>
             <a:fld id="{DFD480EC-6E79-4D21-90E0-7CA6446C6324}" type="datetimeFigureOut">
               <a:rPr kumimoji="1" lang="ja-JP" altLang="en-US" smtClean="0"/>
-              <a:t>2019/6/18</a:t>
+              <a:t>2019/6/19</a:t>
             </a:fld>
             <a:endParaRPr kumimoji="1" lang="ja-JP" altLang="en-US"/>
           </a:p>
@@ -2863,7 +2865,7 @@
           <a:p>
             <a:fld id="{DFD480EC-6E79-4D21-90E0-7CA6446C6324}" type="datetimeFigureOut">
               <a:rPr kumimoji="1" lang="ja-JP" altLang="en-US" smtClean="0"/>
-              <a:t>2019/6/18</a:t>
+              <a:t>2019/6/19</a:t>
             </a:fld>
             <a:endParaRPr kumimoji="1" lang="ja-JP" altLang="en-US"/>
           </a:p>
@@ -3356,6 +3358,233 @@
           <p:cNvPr id="2" name="タイトル 1">
             <a:extLst>
               <a:ext uri="{FF2B5EF4-FFF2-40B4-BE49-F238E27FC236}">
+                <a16:creationId xmlns:a16="http://schemas.microsoft.com/office/drawing/2014/main" id="{4D683442-65EE-4C6B-A2F9-16B24BB0273A}"/>
+              </a:ext>
+            </a:extLst>
+          </p:cNvPr>
+          <p:cNvSpPr>
+            <a:spLocks noGrp="1"/>
+          </p:cNvSpPr>
+          <p:nvPr>
+            <p:ph type="title"/>
+          </p:nvPr>
+        </p:nvSpPr>
+        <p:spPr/>
+        <p:txBody>
+          <a:bodyPr/>
+          <a:lstStyle/>
+          <a:p>
+            <a:r>
+              <a:rPr lang="ja-JP" altLang="en-US" dirty="0"/>
+              <a:t>Ｋ近傍法（ＫＮＮ）</a:t>
+            </a:r>
+            <a:endParaRPr kumimoji="1" lang="ja-JP" altLang="en-US" dirty="0"/>
+          </a:p>
+        </p:txBody>
+      </p:sp>
+      <p:sp>
+        <p:nvSpPr>
+          <p:cNvPr id="3" name="コンテンツ プレースホルダー 2">
+            <a:extLst>
+              <a:ext uri="{FF2B5EF4-FFF2-40B4-BE49-F238E27FC236}">
+                <a16:creationId xmlns:a16="http://schemas.microsoft.com/office/drawing/2014/main" id="{48DA7905-6EBD-4354-AEAD-86FAE4BA1C11}"/>
+              </a:ext>
+            </a:extLst>
+          </p:cNvPr>
+          <p:cNvSpPr>
+            <a:spLocks noGrp="1"/>
+          </p:cNvSpPr>
+          <p:nvPr>
+            <p:ph idx="1"/>
+          </p:nvPr>
+        </p:nvSpPr>
+        <p:spPr/>
+        <p:txBody>
+          <a:bodyPr/>
+          <a:lstStyle/>
+          <a:p>
+            <a:r>
+              <a:rPr kumimoji="1" lang="ja-JP" altLang="en-US" dirty="0"/>
+              <a:t>自分から最も近い複数のデータのクラスを多数決して分類する</a:t>
+            </a:r>
+            <a:endParaRPr kumimoji="1" lang="en-US" altLang="ja-JP" dirty="0"/>
+          </a:p>
+          <a:p>
+            <a:pPr lvl="1"/>
+            <a:r>
+              <a:rPr lang="ja-JP" altLang="en-US" dirty="0"/>
+              <a:t>単純すぎるので怠惰学習とも言われる</a:t>
+            </a:r>
+            <a:endParaRPr lang="en-US" altLang="ja-JP" dirty="0"/>
+          </a:p>
+          <a:p>
+            <a:pPr lvl="1"/>
+            <a:endParaRPr kumimoji="1" lang="ja-JP" altLang="en-US" dirty="0"/>
+          </a:p>
+        </p:txBody>
+      </p:sp>
+    </p:spTree>
+    <p:extLst>
+      <p:ext uri="{BB962C8B-B14F-4D97-AF65-F5344CB8AC3E}">
+        <p14:creationId xmlns:p14="http://schemas.microsoft.com/office/powerpoint/2010/main" val="3269312429"/>
+      </p:ext>
+    </p:extLst>
+  </p:cSld>
+  <p:clrMapOvr>
+    <a:masterClrMapping/>
+  </p:clrMapOvr>
+</p:sld>
+</file>
+
+<file path=ppt/slides/slide11.xml><?xml version="1.0" encoding="utf-8"?>
+<p:sld xmlns:a="http://schemas.openxmlformats.org/drawingml/2006/main" xmlns:r="http://schemas.openxmlformats.org/officeDocument/2006/relationships" xmlns:p="http://schemas.openxmlformats.org/presentationml/2006/main">
+  <p:cSld>
+    <p:spTree>
+      <p:nvGrpSpPr>
+        <p:cNvPr id="1" name=""/>
+        <p:cNvGrpSpPr/>
+        <p:nvPr/>
+      </p:nvGrpSpPr>
+      <p:grpSpPr>
+        <a:xfrm>
+          <a:off x="0" y="0"/>
+          <a:ext cx="0" cy="0"/>
+          <a:chOff x="0" y="0"/>
+          <a:chExt cx="0" cy="0"/>
+        </a:xfrm>
+      </p:grpSpPr>
+      <p:sp>
+        <p:nvSpPr>
+          <p:cNvPr id="2" name="タイトル 1">
+            <a:extLst>
+              <a:ext uri="{FF2B5EF4-FFF2-40B4-BE49-F238E27FC236}">
+                <a16:creationId xmlns:a16="http://schemas.microsoft.com/office/drawing/2014/main" id="{EFBAEC66-6CD0-4911-B543-EA84AD2247C2}"/>
+              </a:ext>
+            </a:extLst>
+          </p:cNvPr>
+          <p:cNvSpPr>
+            <a:spLocks noGrp="1"/>
+          </p:cNvSpPr>
+          <p:nvPr>
+            <p:ph type="title"/>
+          </p:nvPr>
+        </p:nvSpPr>
+        <p:spPr/>
+        <p:txBody>
+          <a:bodyPr/>
+          <a:lstStyle/>
+          <a:p>
+            <a:r>
+              <a:rPr kumimoji="1" lang="ja-JP" altLang="en-US" dirty="0"/>
+              <a:t>サポートベクタ</a:t>
+            </a:r>
+            <a:r>
+              <a:rPr kumimoji="1" lang="en-US" altLang="ja-JP" dirty="0"/>
+              <a:t>―</a:t>
+            </a:r>
+            <a:r>
+              <a:rPr kumimoji="1" lang="ja-JP" altLang="en-US" dirty="0"/>
+              <a:t>マシン（</a:t>
+            </a:r>
+            <a:r>
+              <a:rPr kumimoji="1" lang="en-US" altLang="ja-JP" dirty="0"/>
+              <a:t>SVM</a:t>
+            </a:r>
+            <a:r>
+              <a:rPr kumimoji="1" lang="ja-JP" altLang="en-US" dirty="0"/>
+              <a:t>）</a:t>
+            </a:r>
+          </a:p>
+        </p:txBody>
+      </p:sp>
+      <p:sp>
+        <p:nvSpPr>
+          <p:cNvPr id="3" name="コンテンツ プレースホルダー 2">
+            <a:extLst>
+              <a:ext uri="{FF2B5EF4-FFF2-40B4-BE49-F238E27FC236}">
+                <a16:creationId xmlns:a16="http://schemas.microsoft.com/office/drawing/2014/main" id="{0290767F-4145-48B3-9AC8-67EB75E9AB29}"/>
+              </a:ext>
+            </a:extLst>
+          </p:cNvPr>
+          <p:cNvSpPr>
+            <a:spLocks noGrp="1"/>
+          </p:cNvSpPr>
+          <p:nvPr>
+            <p:ph idx="1"/>
+          </p:nvPr>
+        </p:nvSpPr>
+        <p:spPr/>
+        <p:txBody>
+          <a:bodyPr/>
+          <a:lstStyle/>
+          <a:p>
+            <a:r>
+              <a:rPr kumimoji="1" lang="ja-JP" altLang="en-US" dirty="0"/>
+              <a:t>ディープラーニング以前は機械学習で最も人気があった手法</a:t>
+            </a:r>
+            <a:endParaRPr kumimoji="1" lang="en-US" altLang="ja-JP" dirty="0"/>
+          </a:p>
+          <a:p>
+            <a:endParaRPr lang="en-US" altLang="ja-JP" dirty="0"/>
+          </a:p>
+          <a:p>
+            <a:r>
+              <a:rPr kumimoji="1" lang="ja-JP" altLang="en-US" dirty="0"/>
+              <a:t>マージン最大化</a:t>
+            </a:r>
+            <a:endParaRPr kumimoji="1" lang="en-US" altLang="ja-JP" dirty="0"/>
+          </a:p>
+          <a:p>
+            <a:pPr lvl="1"/>
+            <a:r>
+              <a:rPr kumimoji="1" lang="ja-JP" altLang="en-US" dirty="0"/>
+              <a:t>各データ点との距離が最大となるような境界線を求めることでパターン分類を行う</a:t>
+            </a:r>
+            <a:endParaRPr kumimoji="1" lang="en-US" altLang="ja-JP" dirty="0"/>
+          </a:p>
+          <a:p>
+            <a:endParaRPr lang="en-US" altLang="ja-JP" dirty="0"/>
+          </a:p>
+          <a:p>
+            <a:endParaRPr kumimoji="1" lang="en-US" altLang="ja-JP" dirty="0"/>
+          </a:p>
+        </p:txBody>
+      </p:sp>
+    </p:spTree>
+    <p:extLst>
+      <p:ext uri="{BB962C8B-B14F-4D97-AF65-F5344CB8AC3E}">
+        <p14:creationId xmlns:p14="http://schemas.microsoft.com/office/powerpoint/2010/main" val="1550071585"/>
+      </p:ext>
+    </p:extLst>
+  </p:cSld>
+  <p:clrMapOvr>
+    <a:masterClrMapping/>
+  </p:clrMapOvr>
+</p:sld>
+</file>
+
+<file path=ppt/slides/slide12.xml><?xml version="1.0" encoding="utf-8"?>
+<p:sld xmlns:a="http://schemas.openxmlformats.org/drawingml/2006/main" xmlns:r="http://schemas.openxmlformats.org/officeDocument/2006/relationships" xmlns:p="http://schemas.openxmlformats.org/presentationml/2006/main">
+  <p:cSld>
+    <p:spTree>
+      <p:nvGrpSpPr>
+        <p:cNvPr id="1" name=""/>
+        <p:cNvGrpSpPr/>
+        <p:nvPr/>
+      </p:nvGrpSpPr>
+      <p:grpSpPr>
+        <a:xfrm>
+          <a:off x="0" y="0"/>
+          <a:ext cx="0" cy="0"/>
+          <a:chOff x="0" y="0"/>
+          <a:chExt cx="0" cy="0"/>
+        </a:xfrm>
+      </p:grpSpPr>
+      <p:sp>
+        <p:nvSpPr>
+          <p:cNvPr id="2" name="タイトル 1">
+            <a:extLst>
+              <a:ext uri="{FF2B5EF4-FFF2-40B4-BE49-F238E27FC236}">
                 <a16:creationId xmlns:a16="http://schemas.microsoft.com/office/drawing/2014/main" id="{B0ACCA80-24C1-42ED-AE98-70CD17E1B786}"/>
               </a:ext>
             </a:extLst>
@@ -3490,19 +3719,49 @@
           <a:chExt cx="0" cy="0"/>
         </a:xfrm>
       </p:grpSpPr>
+      <p:sp>
+        <p:nvSpPr>
+          <p:cNvPr id="2" name="タイトル 1">
+            <a:extLst>
+              <a:ext uri="{FF2B5EF4-FFF2-40B4-BE49-F238E27FC236}">
+                <a16:creationId xmlns:a16="http://schemas.microsoft.com/office/drawing/2014/main" id="{D08F0256-2B4D-41BA-A61E-C3809FBBD08C}"/>
+              </a:ext>
+            </a:extLst>
+          </p:cNvPr>
+          <p:cNvSpPr>
+            <a:spLocks noGrp="1"/>
+          </p:cNvSpPr>
+          <p:nvPr>
+            <p:ph type="title"/>
+          </p:nvPr>
+        </p:nvSpPr>
+        <p:spPr/>
+        <p:txBody>
+          <a:bodyPr/>
+          <a:lstStyle/>
+          <a:p>
+            <a:r>
+              <a:rPr kumimoji="1" lang="ja-JP" altLang="en-US" dirty="0"/>
+              <a:t>機械学習の全体図</a:t>
+            </a:r>
+          </a:p>
+        </p:txBody>
+      </p:sp>
       <p:pic>
         <p:nvPicPr>
-          <p:cNvPr id="1026" name="Picture 2" descr="9_001.png">
+          <p:cNvPr id="5" name="Picture 2" descr="9_001.png">
             <a:extLst>
               <a:ext uri="{FF2B5EF4-FFF2-40B4-BE49-F238E27FC236}">
-                <a16:creationId xmlns:a16="http://schemas.microsoft.com/office/drawing/2014/main" id="{E782F902-837F-49B8-BB08-699EA8820024}"/>
+                <a16:creationId xmlns:a16="http://schemas.microsoft.com/office/drawing/2014/main" id="{C9DEA3CA-72AB-4DF3-8812-CEF3492F66AA}"/>
               </a:ext>
             </a:extLst>
           </p:cNvPr>
           <p:cNvPicPr>
-            <a:picLocks noChangeAspect="1" noChangeArrowheads="1"/>
+            <a:picLocks noGrp="1" noChangeAspect="1" noChangeArrowheads="1"/>
           </p:cNvPicPr>
-          <p:nvPr/>
+          <p:nvPr>
+            <p:ph idx="1"/>
+          </p:nvPr>
         </p:nvPicPr>
         <p:blipFill>
           <a:blip r:embed="rId2">
@@ -3519,8 +3778,8 @@
         </p:blipFill>
         <p:spPr bwMode="auto">
           <a:xfrm>
-            <a:off x="71447" y="363071"/>
-            <a:ext cx="9001105" cy="6131858"/>
+            <a:off x="1146416" y="1825625"/>
+            <a:ext cx="6851168" cy="4667249"/>
           </a:xfrm>
           <a:prstGeom prst="rect">
             <a:avLst/>
@@ -3623,64 +3882,41 @@
             <a:endParaRPr kumimoji="1" lang="en-US" altLang="ja-JP" dirty="0"/>
           </a:p>
           <a:p>
+            <a:pPr lvl="1"/>
+            <a:r>
+              <a:rPr kumimoji="1" lang="ja-JP" altLang="en-US" dirty="0"/>
+              <a:t>売上予測</a:t>
+            </a:r>
+            <a:endParaRPr kumimoji="1" lang="en-US" altLang="ja-JP" dirty="0"/>
+          </a:p>
+          <a:p>
+            <a:pPr lvl="1"/>
+            <a:r>
+              <a:rPr kumimoji="1" lang="ja-JP" altLang="en-US" dirty="0"/>
+              <a:t>人口予測</a:t>
+            </a:r>
+            <a:endParaRPr kumimoji="1" lang="en-US" altLang="ja-JP" dirty="0"/>
+          </a:p>
+          <a:p>
+            <a:pPr lvl="1"/>
+            <a:r>
+              <a:rPr lang="ja-JP" altLang="en-US" dirty="0"/>
+              <a:t>とにかく「数値」を予測するもの</a:t>
+            </a:r>
+            <a:endParaRPr kumimoji="1" lang="en-US" altLang="ja-JP" dirty="0"/>
+          </a:p>
+          <a:p>
             <a:endParaRPr lang="en-US" altLang="ja-JP" dirty="0"/>
           </a:p>
           <a:p>
             <a:r>
               <a:rPr kumimoji="1" lang="ja-JP" altLang="en-US" dirty="0"/>
-              <a:t>線形回帰</a:t>
+              <a:t>線形回帰を用いる</a:t>
             </a:r>
             <a:endParaRPr kumimoji="1" lang="en-US" altLang="ja-JP" dirty="0"/>
           </a:p>
         </p:txBody>
       </p:sp>
-      <p:pic>
-        <p:nvPicPr>
-          <p:cNvPr id="4" name="Picture 4" descr="https://upload.wikimedia.org/wikipedia/commons/b/be/Normdist_regression.png">
-            <a:extLst>
-              <a:ext uri="{FF2B5EF4-FFF2-40B4-BE49-F238E27FC236}">
-                <a16:creationId xmlns:a16="http://schemas.microsoft.com/office/drawing/2014/main" id="{3C28A296-F81C-4B17-98AE-63F68EE48A11}"/>
-              </a:ext>
-            </a:extLst>
-          </p:cNvPr>
-          <p:cNvPicPr>
-            <a:picLocks noChangeAspect="1" noChangeArrowheads="1"/>
-          </p:cNvPicPr>
-          <p:nvPr/>
-        </p:nvPicPr>
-        <p:blipFill>
-          <a:blip r:embed="rId2">
-            <a:extLst>
-              <a:ext uri="{28A0092B-C50C-407E-A947-70E740481C1C}">
-                <a14:useLocalDpi xmlns:a14="http://schemas.microsoft.com/office/drawing/2010/main" val="0"/>
-              </a:ext>
-            </a:extLst>
-          </a:blip>
-          <a:srcRect/>
-          <a:stretch>
-            <a:fillRect/>
-          </a:stretch>
-        </p:blipFill>
-        <p:spPr bwMode="auto">
-          <a:xfrm>
-            <a:off x="3083621" y="2625724"/>
-            <a:ext cx="4705350" cy="3867150"/>
-          </a:xfrm>
-          <a:prstGeom prst="rect">
-            <a:avLst/>
-          </a:prstGeom>
-          <a:noFill/>
-          <a:extLst>
-            <a:ext uri="{909E8E84-426E-40DD-AFC4-6F175D3DCCD1}">
-              <a14:hiddenFill xmlns:a14="http://schemas.microsoft.com/office/drawing/2010/main">
-                <a:solidFill>
-                  <a:srgbClr val="FFFFFF"/>
-                </a:solidFill>
-              </a14:hiddenFill>
-            </a:ext>
-          </a:extLst>
-        </p:spPr>
-      </p:pic>
     </p:spTree>
     <p:extLst>
       <p:ext uri="{BB962C8B-B14F-4D97-AF65-F5344CB8AC3E}">
@@ -3716,7 +3952,7 @@
           <p:cNvPr id="2" name="タイトル 1">
             <a:extLst>
               <a:ext uri="{FF2B5EF4-FFF2-40B4-BE49-F238E27FC236}">
-                <a16:creationId xmlns:a16="http://schemas.microsoft.com/office/drawing/2014/main" id="{9C42146A-F61A-4BA7-BB78-FA6EBFA56DC8}"/>
+                <a16:creationId xmlns:a16="http://schemas.microsoft.com/office/drawing/2014/main" id="{8AD34C97-04B1-4BFB-A282-64AA57D9E9C1}"/>
               </a:ext>
             </a:extLst>
           </p:cNvPr>
@@ -3734,7 +3970,7 @@
           <a:p>
             <a:r>
               <a:rPr kumimoji="1" lang="ja-JP" altLang="en-US" dirty="0"/>
-              <a:t>分類（クラス分類）</a:t>
+              <a:t>線形回帰</a:t>
             </a:r>
           </a:p>
         </p:txBody>
@@ -3744,7 +3980,7 @@
           <p:cNvPr id="3" name="コンテンツ プレースホルダー 2">
             <a:extLst>
               <a:ext uri="{FF2B5EF4-FFF2-40B4-BE49-F238E27FC236}">
-                <a16:creationId xmlns:a16="http://schemas.microsoft.com/office/drawing/2014/main" id="{FA66E952-FBCF-4D9D-BEB3-0379E894A84A}"/>
+                <a16:creationId xmlns:a16="http://schemas.microsoft.com/office/drawing/2014/main" id="{33BE8033-799F-46EB-86F1-AB6412CE6963}"/>
               </a:ext>
             </a:extLst>
           </p:cNvPr>
@@ -3762,7 +3998,7 @@
           <a:p>
             <a:r>
               <a:rPr kumimoji="1" lang="ja-JP" altLang="en-US" dirty="0"/>
-              <a:t>離散値を予測する</a:t>
+              <a:t>説明変数（予測に利用するデータ）を使って、目的変数（予測するデータ）を予測する</a:t>
             </a:r>
             <a:endParaRPr kumimoji="1" lang="en-US" altLang="ja-JP" dirty="0"/>
           </a:p>
@@ -3772,44 +4008,25 @@
           <a:p>
             <a:r>
               <a:rPr kumimoji="1" lang="ja-JP" altLang="en-US" dirty="0"/>
-              <a:t>ロジスティック回帰</a:t>
+              <a:t>未知の説明変数が入ってきたら、目的変数がどうなりそうか予測できる</a:t>
             </a:r>
             <a:endParaRPr kumimoji="1" lang="en-US" altLang="ja-JP" dirty="0"/>
           </a:p>
           <a:p>
-            <a:r>
-              <a:rPr lang="ja-JP" altLang="en-US" dirty="0"/>
-              <a:t>ランダムフォレスト</a:t>
-            </a:r>
             <a:endParaRPr lang="en-US" altLang="ja-JP" dirty="0"/>
           </a:p>
           <a:p>
             <a:r>
               <a:rPr kumimoji="1" lang="ja-JP" altLang="en-US" dirty="0"/>
-              <a:t>ブースティング</a:t>
-            </a:r>
-            <a:endParaRPr kumimoji="1" lang="en-US" altLang="ja-JP" dirty="0"/>
-          </a:p>
-          <a:p>
-            <a:r>
-              <a:rPr lang="ja-JP" altLang="en-US" dirty="0"/>
-              <a:t>サポートベクターマシン</a:t>
-            </a:r>
-            <a:endParaRPr lang="en-US" altLang="ja-JP" dirty="0"/>
-          </a:p>
-          <a:p>
-            <a:r>
-              <a:rPr kumimoji="1" lang="ja-JP" altLang="en-US" dirty="0"/>
-              <a:t>ニューラルネットワーク</a:t>
-            </a:r>
-            <a:endParaRPr kumimoji="1" lang="en-US" altLang="ja-JP" dirty="0"/>
+              <a:t>最小二乗法（実際の目的変数の値と予測値の二乗誤差を最小にする方法）を使用</a:t>
+            </a:r>
           </a:p>
         </p:txBody>
       </p:sp>
     </p:spTree>
     <p:extLst>
       <p:ext uri="{BB962C8B-B14F-4D97-AF65-F5344CB8AC3E}">
-        <p14:creationId xmlns:p14="http://schemas.microsoft.com/office/powerpoint/2010/main" val="164071091"/>
+        <p14:creationId xmlns:p14="http://schemas.microsoft.com/office/powerpoint/2010/main" val="305228168"/>
       </p:ext>
     </p:extLst>
   </p:cSld>
@@ -3841,7 +4058,7 @@
           <p:cNvPr id="2" name="タイトル 1">
             <a:extLst>
               <a:ext uri="{FF2B5EF4-FFF2-40B4-BE49-F238E27FC236}">
-                <a16:creationId xmlns:a16="http://schemas.microsoft.com/office/drawing/2014/main" id="{8AD34C97-04B1-4BFB-A282-64AA57D9E9C1}"/>
+                <a16:creationId xmlns:a16="http://schemas.microsoft.com/office/drawing/2014/main" id="{F009793F-011F-4A1A-A547-6F053625606A}"/>
               </a:ext>
             </a:extLst>
           </p:cNvPr>
@@ -3858,18 +4075,23 @@
           <a:lstStyle/>
           <a:p>
             <a:r>
-              <a:rPr kumimoji="1" lang="ja-JP" altLang="en-US" dirty="0"/>
-              <a:t>線形回帰</a:t>
-            </a:r>
-          </a:p>
-        </p:txBody>
-      </p:sp>
-      <p:sp>
-        <p:nvSpPr>
-          <p:cNvPr id="3" name="コンテンツ プレースホルダー 2">
+              <a:rPr lang="ja-JP" altLang="en-US" dirty="0"/>
+              <a:t>例えば</a:t>
+            </a:r>
+            <a:r>
+              <a:rPr lang="en-US" altLang="ja-JP" dirty="0"/>
+              <a:t>…</a:t>
+            </a:r>
+            <a:endParaRPr kumimoji="1" lang="ja-JP" altLang="en-US" dirty="0"/>
+          </a:p>
+        </p:txBody>
+      </p:sp>
+      <p:sp>
+        <p:nvSpPr>
+          <p:cNvPr id="4" name="コンテンツ プレースホルダー 3">
             <a:extLst>
               <a:ext uri="{FF2B5EF4-FFF2-40B4-BE49-F238E27FC236}">
-                <a16:creationId xmlns:a16="http://schemas.microsoft.com/office/drawing/2014/main" id="{33BE8033-799F-46EB-86F1-AB6412CE6963}"/>
+                <a16:creationId xmlns:a16="http://schemas.microsoft.com/office/drawing/2014/main" id="{FF53177C-9117-4129-B172-DD9B90A04591}"/>
               </a:ext>
             </a:extLst>
           </p:cNvPr>
@@ -3887,35 +4109,108 @@
           <a:p>
             <a:r>
               <a:rPr kumimoji="1" lang="ja-JP" altLang="en-US" dirty="0"/>
-              <a:t>説明変数（予測に利用するデータ）を使って、目的変数（予測するデータ）を予測する</a:t>
+              <a:t>ボストンの住宅価値データ</a:t>
             </a:r>
             <a:endParaRPr kumimoji="1" lang="en-US" altLang="ja-JP" dirty="0"/>
           </a:p>
           <a:p>
+            <a:pPr lvl="1"/>
+            <a:r>
+              <a:rPr lang="en-US" altLang="ja-JP" dirty="0" err="1"/>
+              <a:t>scikit</a:t>
+            </a:r>
+            <a:r>
+              <a:rPr lang="en-US" altLang="ja-JP" dirty="0"/>
+              <a:t>-learn</a:t>
+            </a:r>
+            <a:r>
+              <a:rPr lang="ja-JP" altLang="en-US" dirty="0"/>
+              <a:t>のデータセット</a:t>
+            </a:r>
             <a:endParaRPr lang="en-US" altLang="ja-JP" dirty="0"/>
           </a:p>
           <a:p>
-            <a:r>
-              <a:rPr kumimoji="1" lang="ja-JP" altLang="en-US" dirty="0"/>
-              <a:t>未知の説明変数が入ってきたら、目的変数がどうなりそうか予測できる</a:t>
-            </a:r>
-            <a:endParaRPr kumimoji="1" lang="en-US" altLang="ja-JP" dirty="0"/>
-          </a:p>
-          <a:p>
+            <a:pPr lvl="1"/>
+            <a:r>
+              <a:rPr lang="ja-JP" altLang="en-US" dirty="0"/>
+              <a:t>部屋数（説明変数）と価値（目的変数）の関係</a:t>
+            </a:r>
             <a:endParaRPr lang="en-US" altLang="ja-JP" dirty="0"/>
           </a:p>
           <a:p>
-            <a:r>
-              <a:rPr kumimoji="1" lang="ja-JP" altLang="en-US" dirty="0"/>
-              <a:t>最小二乗法（実際の目的変数の値と予測値の二乗誤差を最小にする方法）を使用</a:t>
-            </a:r>
-          </a:p>
-        </p:txBody>
-      </p:sp>
+            <a:pPr lvl="1"/>
+            <a:r>
+              <a:rPr lang="ja-JP" altLang="en-US" dirty="0"/>
+              <a:t>説明変数を犯罪率、築年数など変更して検証できる</a:t>
+            </a:r>
+            <a:endParaRPr lang="en-US" altLang="ja-JP" dirty="0"/>
+          </a:p>
+          <a:p>
+            <a:endParaRPr lang="en-US" altLang="ja-JP" dirty="0"/>
+          </a:p>
+          <a:p>
+            <a:r>
+              <a:rPr lang="ja-JP" altLang="en-US" dirty="0"/>
+              <a:t>赤線が線形回帰の結果</a:t>
+            </a:r>
+            <a:endParaRPr lang="en-US" altLang="ja-JP" dirty="0"/>
+          </a:p>
+          <a:p>
+            <a:endParaRPr kumimoji="1" lang="ja-JP" altLang="en-US" dirty="0"/>
+          </a:p>
+        </p:txBody>
+      </p:sp>
+      <p:pic>
+        <p:nvPicPr>
+          <p:cNvPr id="2052" name="Picture 4">
+            <a:extLst>
+              <a:ext uri="{FF2B5EF4-FFF2-40B4-BE49-F238E27FC236}">
+                <a16:creationId xmlns:a16="http://schemas.microsoft.com/office/drawing/2014/main" id="{94E01FD7-672A-4461-9307-8BB41CD8A113}"/>
+              </a:ext>
+            </a:extLst>
+          </p:cNvPr>
+          <p:cNvPicPr>
+            <a:picLocks noChangeAspect="1" noChangeArrowheads="1"/>
+          </p:cNvPicPr>
+          <p:nvPr/>
+        </p:nvPicPr>
+        <p:blipFill>
+          <a:blip r:embed="rId2">
+            <a:extLst>
+              <a:ext uri="{28A0092B-C50C-407E-A947-70E740481C1C}">
+                <a14:useLocalDpi xmlns:a14="http://schemas.microsoft.com/office/drawing/2010/main" val="0"/>
+              </a:ext>
+            </a:extLst>
+          </a:blip>
+          <a:srcRect/>
+          <a:stretch>
+            <a:fillRect/>
+          </a:stretch>
+        </p:blipFill>
+        <p:spPr bwMode="auto">
+          <a:xfrm>
+            <a:off x="5019675" y="3749768"/>
+            <a:ext cx="3495675" cy="2352675"/>
+          </a:xfrm>
+          <a:prstGeom prst="rect">
+            <a:avLst/>
+          </a:prstGeom>
+          <a:noFill/>
+          <a:extLst>
+            <a:ext uri="{909E8E84-426E-40DD-AFC4-6F175D3DCCD1}">
+              <a14:hiddenFill xmlns:a14="http://schemas.microsoft.com/office/drawing/2010/main">
+                <a:solidFill>
+                  <a:srgbClr val="FFFFFF"/>
+                </a:solidFill>
+              </a14:hiddenFill>
+            </a:ext>
+          </a:extLst>
+        </p:spPr>
+      </p:pic>
     </p:spTree>
     <p:extLst>
       <p:ext uri="{BB962C8B-B14F-4D97-AF65-F5344CB8AC3E}">
-        <p14:creationId xmlns:p14="http://schemas.microsoft.com/office/powerpoint/2010/main" val="305228168"/>
+        <p14:creationId xmlns:p14="http://schemas.microsoft.com/office/powerpoint/2010/main" val="2806056193"/>
       </p:ext>
     </p:extLst>
   </p:cSld>
@@ -3947,7 +4242,7 @@
           <p:cNvPr id="2" name="タイトル 1">
             <a:extLst>
               <a:ext uri="{FF2B5EF4-FFF2-40B4-BE49-F238E27FC236}">
-                <a16:creationId xmlns:a16="http://schemas.microsoft.com/office/drawing/2014/main" id="{66A0CF8D-D8CA-46C9-9903-662636BE0C4F}"/>
+                <a16:creationId xmlns:a16="http://schemas.microsoft.com/office/drawing/2014/main" id="{9C42146A-F61A-4BA7-BB78-FA6EBFA56DC8}"/>
               </a:ext>
             </a:extLst>
           </p:cNvPr>
@@ -3965,7 +4260,7 @@
           <a:p>
             <a:r>
               <a:rPr kumimoji="1" lang="ja-JP" altLang="en-US" dirty="0"/>
-              <a:t>ロジスティック回帰</a:t>
+              <a:t>分類（クラス分類）</a:t>
             </a:r>
           </a:p>
         </p:txBody>
@@ -3975,7 +4270,7 @@
           <p:cNvPr id="3" name="コンテンツ プレースホルダー 2">
             <a:extLst>
               <a:ext uri="{FF2B5EF4-FFF2-40B4-BE49-F238E27FC236}">
-                <a16:creationId xmlns:a16="http://schemas.microsoft.com/office/drawing/2014/main" id="{B4B50CD6-B055-4575-A18C-A7192081C46F}"/>
+                <a16:creationId xmlns:a16="http://schemas.microsoft.com/office/drawing/2014/main" id="{FA66E952-FBCF-4D9D-BEB3-0379E894A84A}"/>
               </a:ext>
             </a:extLst>
           </p:cNvPr>
@@ -3986,105 +4281,69 @@
             <p:ph idx="1"/>
           </p:nvPr>
         </p:nvSpPr>
-        <p:spPr>
-          <a:xfrm>
-            <a:off x="628650" y="1825624"/>
-            <a:ext cx="7886700" cy="4806404"/>
-          </a:xfrm>
-        </p:spPr>
-        <p:txBody>
-          <a:bodyPr>
-            <a:normAutofit/>
-          </a:bodyPr>
+        <p:spPr/>
+        <p:txBody>
+          <a:bodyPr/>
           <a:lstStyle/>
           <a:p>
             <a:r>
               <a:rPr kumimoji="1" lang="ja-JP" altLang="en-US" dirty="0"/>
-              <a:t>目的変数が２値のときに利用する</a:t>
+              <a:t>離散値を予測する</a:t>
             </a:r>
             <a:endParaRPr kumimoji="1" lang="en-US" altLang="ja-JP" dirty="0"/>
           </a:p>
           <a:p>
+            <a:pPr lvl="1"/>
+            <a:r>
+              <a:rPr lang="ja-JP" altLang="en-US" dirty="0"/>
+              <a:t>画像分類</a:t>
+            </a:r>
             <a:endParaRPr lang="en-US" altLang="ja-JP" dirty="0"/>
           </a:p>
           <a:p>
+            <a:pPr lvl="1"/>
             <a:r>
               <a:rPr lang="ja-JP" altLang="en-US" dirty="0"/>
-              <a:t>シグモイド関数</a:t>
-            </a:r>
+              <a:t>つまり、数種類に分けるもの</a:t>
+            </a:r>
+            <a:endParaRPr kumimoji="1" lang="en-US" altLang="ja-JP" dirty="0"/>
+          </a:p>
+          <a:p>
             <a:endParaRPr lang="en-US" altLang="ja-JP" dirty="0"/>
           </a:p>
           <a:p>
-            <a:pPr lvl="1"/>
+            <a:r>
+              <a:rPr kumimoji="1" lang="ja-JP" altLang="en-US" dirty="0"/>
+              <a:t>ロジスティック回帰</a:t>
+            </a:r>
+            <a:endParaRPr kumimoji="1" lang="en-US" altLang="ja-JP" dirty="0"/>
+          </a:p>
+          <a:p>
             <a:r>
               <a:rPr lang="ja-JP" altLang="en-US" dirty="0"/>
-              <a:t>出力の値が０～１の実数</a:t>
+              <a:t>ランダムフォレスト</a:t>
             </a:r>
             <a:endParaRPr lang="en-US" altLang="ja-JP" dirty="0"/>
           </a:p>
           <a:p>
-            <a:pPr lvl="1"/>
+            <a:r>
+              <a:rPr kumimoji="1" lang="ja-JP" altLang="en-US" dirty="0"/>
+              <a:t>ブースティング</a:t>
+            </a:r>
+            <a:endParaRPr kumimoji="1" lang="en-US" altLang="ja-JP" dirty="0"/>
+          </a:p>
+          <a:p>
             <a:r>
               <a:rPr lang="ja-JP" altLang="en-US" dirty="0"/>
-              <a:t>０</a:t>
-            </a:r>
-            <a:r>
-              <a:rPr lang="en-US" altLang="ja-JP" dirty="0"/>
-              <a:t>.</a:t>
-            </a:r>
-            <a:r>
-              <a:rPr lang="ja-JP" altLang="en-US" dirty="0"/>
-              <a:t>５を境にデータを２種類に分類できる</a:t>
+              <a:t>サポートベクターマシン</a:t>
             </a:r>
             <a:endParaRPr lang="en-US" altLang="ja-JP" dirty="0"/>
           </a:p>
           <a:p>
-            <a:pPr marL="0" indent="0">
-              <a:buNone/>
-            </a:pPr>
-            <a:endParaRPr kumimoji="1" lang="en-US" altLang="ja-JP" dirty="0"/>
-          </a:p>
-          <a:p>
-            <a:r>
-              <a:rPr lang="ja-JP" altLang="en-US" dirty="0"/>
-              <a:t>ソフトマックス関数</a:t>
-            </a:r>
-            <a:endParaRPr lang="en-US" altLang="ja-JP" dirty="0"/>
-          </a:p>
-          <a:p>
-            <a:pPr lvl="1"/>
             <a:r>
               <a:rPr kumimoji="1" lang="ja-JP" altLang="en-US" dirty="0"/>
-              <a:t>出力の値が</a:t>
-            </a:r>
-            <a:r>
-              <a:rPr lang="ja-JP" altLang="en-US" dirty="0"/>
-              <a:t>０～１の実数</a:t>
-            </a:r>
-            <a:endParaRPr lang="en-US" altLang="ja-JP" dirty="0"/>
-          </a:p>
-          <a:p>
-            <a:pPr lvl="1"/>
-            <a:r>
-              <a:rPr lang="ja-JP" altLang="en-US" dirty="0"/>
-              <a:t>出力の総和が１＝確率として解釈できる</a:t>
-            </a:r>
-            <a:endParaRPr lang="en-US" altLang="ja-JP" dirty="0"/>
-          </a:p>
-          <a:p>
-            <a:pPr lvl="1"/>
-            <a:r>
-              <a:rPr lang="ja-JP" altLang="en-US" dirty="0"/>
-              <a:t>複数のデータを分類できる</a:t>
-            </a:r>
-            <a:endParaRPr lang="en-US" altLang="ja-JP" dirty="0"/>
-          </a:p>
-          <a:p>
-            <a:pPr lvl="1"/>
-            <a:endParaRPr lang="en-US" altLang="ja-JP" dirty="0"/>
-          </a:p>
-          <a:p>
-            <a:pPr lvl="1"/>
+              <a:t>ニューラルネットワーク　などを用いる</a:t>
+            </a:r>
             <a:endParaRPr kumimoji="1" lang="en-US" altLang="ja-JP" dirty="0"/>
           </a:p>
         </p:txBody>
@@ -4092,7 +4351,7 @@
     </p:spTree>
     <p:extLst>
       <p:ext uri="{BB962C8B-B14F-4D97-AF65-F5344CB8AC3E}">
-        <p14:creationId xmlns:p14="http://schemas.microsoft.com/office/powerpoint/2010/main" val="2569312076"/>
+        <p14:creationId xmlns:p14="http://schemas.microsoft.com/office/powerpoint/2010/main" val="164071091"/>
       </p:ext>
     </p:extLst>
   </p:cSld>
@@ -4124,7 +4383,7 @@
           <p:cNvPr id="2" name="タイトル 1">
             <a:extLst>
               <a:ext uri="{FF2B5EF4-FFF2-40B4-BE49-F238E27FC236}">
-                <a16:creationId xmlns:a16="http://schemas.microsoft.com/office/drawing/2014/main" id="{B5787D06-523F-41D4-8F06-1A31A066F60D}"/>
+                <a16:creationId xmlns:a16="http://schemas.microsoft.com/office/drawing/2014/main" id="{66A0CF8D-D8CA-46C9-9903-662636BE0C4F}"/>
               </a:ext>
             </a:extLst>
           </p:cNvPr>
@@ -4142,7 +4401,7 @@
           <a:p>
             <a:r>
               <a:rPr kumimoji="1" lang="ja-JP" altLang="en-US" dirty="0"/>
-              <a:t>ランダムフォレスト</a:t>
+              <a:t>ロジスティック回帰</a:t>
             </a:r>
           </a:p>
         </p:txBody>
@@ -4152,7 +4411,7 @@
           <p:cNvPr id="3" name="コンテンツ プレースホルダー 2">
             <a:extLst>
               <a:ext uri="{FF2B5EF4-FFF2-40B4-BE49-F238E27FC236}">
-                <a16:creationId xmlns:a16="http://schemas.microsoft.com/office/drawing/2014/main" id="{66DB01D2-96C2-4838-9BC4-4CF8FC1585E2}"/>
+                <a16:creationId xmlns:a16="http://schemas.microsoft.com/office/drawing/2014/main" id="{B4B50CD6-B055-4575-A18C-A7192081C46F}"/>
               </a:ext>
             </a:extLst>
           </p:cNvPr>
@@ -4163,37 +4422,137 @@
             <p:ph idx="1"/>
           </p:nvPr>
         </p:nvSpPr>
-        <p:spPr/>
-        <p:txBody>
-          <a:bodyPr/>
+        <p:spPr>
+          <a:xfrm>
+            <a:off x="628650" y="1825624"/>
+            <a:ext cx="7886700" cy="4806404"/>
+          </a:xfrm>
+        </p:spPr>
+        <p:txBody>
+          <a:bodyPr>
+            <a:normAutofit lnSpcReduction="10000"/>
+          </a:bodyPr>
           <a:lstStyle/>
           <a:p>
             <a:r>
               <a:rPr kumimoji="1" lang="ja-JP" altLang="en-US" dirty="0"/>
-              <a:t>バギングの１種</a:t>
+              <a:t>目的変数が２値のときに利用する</a:t>
             </a:r>
             <a:endParaRPr kumimoji="1" lang="en-US" altLang="ja-JP" dirty="0"/>
           </a:p>
           <a:p>
+            <a:pPr lvl="1"/>
+            <a:r>
+              <a:rPr kumimoji="1" lang="ja-JP" altLang="en-US" dirty="0"/>
+              <a:t>勝ち</a:t>
+            </a:r>
             <a:r>
               <a:rPr lang="ja-JP" altLang="en-US" dirty="0"/>
-              <a:t>決定木を用いる</a:t>
-            </a:r>
+              <a:t>／</a:t>
+            </a:r>
+            <a:r>
+              <a:rPr kumimoji="1" lang="ja-JP" altLang="en-US" dirty="0"/>
+              <a:t>負け、買う</a:t>
+            </a:r>
+            <a:r>
+              <a:rPr lang="ja-JP" altLang="en-US" dirty="0"/>
+              <a:t>／</a:t>
+            </a:r>
+            <a:r>
+              <a:rPr kumimoji="1" lang="ja-JP" altLang="en-US" dirty="0"/>
+              <a:t>買わない、生きる／死ぬ</a:t>
+            </a:r>
+            <a:endParaRPr kumimoji="1" lang="en-US" altLang="ja-JP" dirty="0"/>
+          </a:p>
+          <a:p>
             <a:endParaRPr lang="en-US" altLang="ja-JP" dirty="0"/>
           </a:p>
           <a:p>
             <a:r>
               <a:rPr lang="ja-JP" altLang="en-US" dirty="0"/>
-              <a:t>特徴量（説明変数）に基づいて分岐路を作る</a:t>
-            </a:r>
-            <a:endParaRPr kumimoji="1" lang="ja-JP" altLang="en-US" dirty="0"/>
+              <a:t>シグモイド関数</a:t>
+            </a:r>
+            <a:endParaRPr lang="en-US" altLang="ja-JP" dirty="0"/>
+          </a:p>
+          <a:p>
+            <a:pPr lvl="1"/>
+            <a:r>
+              <a:rPr lang="ja-JP" altLang="en-US" dirty="0"/>
+              <a:t>出力の値が０～１の実数</a:t>
+            </a:r>
+            <a:endParaRPr lang="en-US" altLang="ja-JP" dirty="0"/>
+          </a:p>
+          <a:p>
+            <a:pPr lvl="1"/>
+            <a:r>
+              <a:rPr lang="ja-JP" altLang="en-US" dirty="0"/>
+              <a:t>０</a:t>
+            </a:r>
+            <a:r>
+              <a:rPr lang="en-US" altLang="ja-JP" dirty="0"/>
+              <a:t>.</a:t>
+            </a:r>
+            <a:r>
+              <a:rPr lang="ja-JP" altLang="en-US" dirty="0"/>
+              <a:t>５を境にデータを２種類に分類できる</a:t>
+            </a:r>
+            <a:endParaRPr lang="en-US" altLang="ja-JP" dirty="0"/>
+          </a:p>
+          <a:p>
+            <a:pPr marL="0" indent="0">
+              <a:buNone/>
+            </a:pPr>
+            <a:endParaRPr kumimoji="1" lang="en-US" altLang="ja-JP" dirty="0"/>
+          </a:p>
+          <a:p>
+            <a:r>
+              <a:rPr lang="ja-JP" altLang="en-US" dirty="0"/>
+              <a:t>ソフトマックス関数</a:t>
+            </a:r>
+            <a:endParaRPr lang="en-US" altLang="ja-JP" dirty="0"/>
+          </a:p>
+          <a:p>
+            <a:pPr lvl="1"/>
+            <a:r>
+              <a:rPr kumimoji="1" lang="ja-JP" altLang="en-US" dirty="0"/>
+              <a:t>出力の値が</a:t>
+            </a:r>
+            <a:r>
+              <a:rPr lang="ja-JP" altLang="en-US" dirty="0"/>
+              <a:t>０～１の実数</a:t>
+            </a:r>
+            <a:endParaRPr lang="en-US" altLang="ja-JP" dirty="0"/>
+          </a:p>
+          <a:p>
+            <a:pPr lvl="1"/>
+            <a:r>
+              <a:rPr lang="ja-JP" altLang="en-US" dirty="0"/>
+              <a:t>出力の総和が１＝確率として解釈できる</a:t>
+            </a:r>
+            <a:endParaRPr lang="en-US" altLang="ja-JP" dirty="0"/>
+          </a:p>
+          <a:p>
+            <a:pPr lvl="1"/>
+            <a:r>
+              <a:rPr lang="ja-JP" altLang="en-US" dirty="0"/>
+              <a:t>複数のデータを分類できる</a:t>
+            </a:r>
+            <a:endParaRPr lang="en-US" altLang="ja-JP" dirty="0"/>
+          </a:p>
+          <a:p>
+            <a:pPr lvl="1"/>
+            <a:endParaRPr lang="en-US" altLang="ja-JP" dirty="0"/>
+          </a:p>
+          <a:p>
+            <a:pPr lvl="1"/>
+            <a:endParaRPr kumimoji="1" lang="en-US" altLang="ja-JP" dirty="0"/>
           </a:p>
         </p:txBody>
       </p:sp>
     </p:spTree>
     <p:extLst>
       <p:ext uri="{BB962C8B-B14F-4D97-AF65-F5344CB8AC3E}">
-        <p14:creationId xmlns:p14="http://schemas.microsoft.com/office/powerpoint/2010/main" val="4072646319"/>
+        <p14:creationId xmlns:p14="http://schemas.microsoft.com/office/powerpoint/2010/main" val="2569312076"/>
       </p:ext>
     </p:extLst>
   </p:cSld>
@@ -4225,7 +4584,7 @@
           <p:cNvPr id="2" name="タイトル 1">
             <a:extLst>
               <a:ext uri="{FF2B5EF4-FFF2-40B4-BE49-F238E27FC236}">
-                <a16:creationId xmlns:a16="http://schemas.microsoft.com/office/drawing/2014/main" id="{4D683442-65EE-4C6B-A2F9-16B24BB0273A}"/>
+                <a16:creationId xmlns:a16="http://schemas.microsoft.com/office/drawing/2014/main" id="{B5787D06-523F-41D4-8F06-1A31A066F60D}"/>
               </a:ext>
             </a:extLst>
           </p:cNvPr>
@@ -4242,10 +4601,9 @@
           <a:lstStyle/>
           <a:p>
             <a:r>
-              <a:rPr lang="ja-JP" altLang="en-US" dirty="0"/>
-              <a:t>Ｋ近傍法（ＫＮＮ）</a:t>
-            </a:r>
-            <a:endParaRPr kumimoji="1" lang="ja-JP" altLang="en-US" dirty="0"/>
+              <a:rPr kumimoji="1" lang="ja-JP" altLang="en-US" dirty="0"/>
+              <a:t>ランダムフォレスト</a:t>
+            </a:r>
           </a:p>
         </p:txBody>
       </p:sp>
@@ -4254,7 +4612,7 @@
           <p:cNvPr id="3" name="コンテンツ プレースホルダー 2">
             <a:extLst>
               <a:ext uri="{FF2B5EF4-FFF2-40B4-BE49-F238E27FC236}">
-                <a16:creationId xmlns:a16="http://schemas.microsoft.com/office/drawing/2014/main" id="{48DA7905-6EBD-4354-AEAD-86FAE4BA1C11}"/>
+                <a16:creationId xmlns:a16="http://schemas.microsoft.com/office/drawing/2014/main" id="{66DB01D2-96C2-4838-9BC4-4CF8FC1585E2}"/>
               </a:ext>
             </a:extLst>
           </p:cNvPr>
@@ -4270,6 +4628,35 @@
           <a:bodyPr/>
           <a:lstStyle/>
           <a:p>
+            <a:r>
+              <a:rPr lang="ja-JP" altLang="en-US" dirty="0"/>
+              <a:t>訓練データからランダムにデータを選んで決定木を作る</a:t>
+            </a:r>
+            <a:endParaRPr kumimoji="1" lang="en-US" altLang="ja-JP" dirty="0"/>
+          </a:p>
+          <a:p>
+            <a:pPr marL="0" indent="0">
+              <a:buNone/>
+            </a:pPr>
+            <a:endParaRPr lang="en-US" altLang="ja-JP" dirty="0"/>
+          </a:p>
+          <a:p>
+            <a:r>
+              <a:rPr lang="ja-JP" altLang="en-US" dirty="0"/>
+              <a:t>予測結果の多数決で最終的なクラスを決める</a:t>
+            </a:r>
+          </a:p>
+          <a:p>
+            <a:pPr marL="0" indent="0">
+              <a:buNone/>
+            </a:pPr>
+            <a:endParaRPr lang="en-US" altLang="ja-JP" dirty="0"/>
+          </a:p>
+          <a:p>
+            <a:r>
+              <a:rPr lang="ja-JP" altLang="en-US" dirty="0"/>
+              <a:t>特徴量（説明変数）に基づいて分岐路を作る</a:t>
+            </a:r>
             <a:endParaRPr kumimoji="1" lang="ja-JP" altLang="en-US" dirty="0"/>
           </a:p>
         </p:txBody>
@@ -4277,7 +4664,7 @@
     </p:spTree>
     <p:extLst>
       <p:ext uri="{BB962C8B-B14F-4D97-AF65-F5344CB8AC3E}">
-        <p14:creationId xmlns:p14="http://schemas.microsoft.com/office/powerpoint/2010/main" val="3269312429"/>
+        <p14:creationId xmlns:p14="http://schemas.microsoft.com/office/powerpoint/2010/main" val="4072646319"/>
       </p:ext>
     </p:extLst>
   </p:cSld>
@@ -4309,7 +4696,7 @@
           <p:cNvPr id="2" name="タイトル 1">
             <a:extLst>
               <a:ext uri="{FF2B5EF4-FFF2-40B4-BE49-F238E27FC236}">
-                <a16:creationId xmlns:a16="http://schemas.microsoft.com/office/drawing/2014/main" id="{EFBAEC66-6CD0-4911-B543-EA84AD2247C2}"/>
+                <a16:creationId xmlns:a16="http://schemas.microsoft.com/office/drawing/2014/main" id="{AD465052-80B1-4248-8E5D-73FCA70B4C8F}"/>
               </a:ext>
             </a:extLst>
           </p:cNvPr>
@@ -4327,24 +4714,13 @@
           <a:p>
             <a:r>
               <a:rPr kumimoji="1" lang="ja-JP" altLang="en-US" dirty="0"/>
-              <a:t>サポートベクタ</a:t>
+              <a:t>例えば</a:t>
             </a:r>
             <a:r>
               <a:rPr kumimoji="1" lang="en-US" altLang="ja-JP" dirty="0"/>
-              <a:t>―</a:t>
-            </a:r>
-            <a:r>
-              <a:rPr kumimoji="1" lang="ja-JP" altLang="en-US" dirty="0"/>
-              <a:t>マシン（</a:t>
-            </a:r>
-            <a:r>
-              <a:rPr kumimoji="1" lang="en-US" altLang="ja-JP" dirty="0"/>
-              <a:t>SVM</a:t>
-            </a:r>
-            <a:r>
-              <a:rPr kumimoji="1" lang="ja-JP" altLang="en-US" dirty="0"/>
-              <a:t>）</a:t>
-            </a:r>
+              <a:t>…</a:t>
+            </a:r>
+            <a:endParaRPr kumimoji="1" lang="ja-JP" altLang="en-US" dirty="0"/>
           </a:p>
         </p:txBody>
       </p:sp>
@@ -4353,7 +4729,7 @@
           <p:cNvPr id="3" name="コンテンツ プレースホルダー 2">
             <a:extLst>
               <a:ext uri="{FF2B5EF4-FFF2-40B4-BE49-F238E27FC236}">
-                <a16:creationId xmlns:a16="http://schemas.microsoft.com/office/drawing/2014/main" id="{0290767F-4145-48B3-9AC8-67EB75E9AB29}"/>
+                <a16:creationId xmlns:a16="http://schemas.microsoft.com/office/drawing/2014/main" id="{66377CBA-DDA2-41E9-9982-4AACEAC61B55}"/>
               </a:ext>
             </a:extLst>
           </p:cNvPr>
@@ -4371,7 +4747,7 @@
           <a:p>
             <a:r>
               <a:rPr kumimoji="1" lang="ja-JP" altLang="en-US" dirty="0"/>
-              <a:t>ディープラーニング以前は機械学習で最も人気があった手法</a:t>
+              <a:t>降水確率、気温、湿度によって行動を決定する</a:t>
             </a:r>
             <a:endParaRPr kumimoji="1" lang="en-US" altLang="ja-JP" dirty="0"/>
           </a:p>
@@ -4381,30 +4757,116 @@
           <a:p>
             <a:r>
               <a:rPr kumimoji="1" lang="ja-JP" altLang="en-US" dirty="0"/>
-              <a:t>マージン最大化</a:t>
+              <a:t>何個も作って多数決する</a:t>
             </a:r>
             <a:endParaRPr kumimoji="1" lang="en-US" altLang="ja-JP" dirty="0"/>
           </a:p>
           <a:p>
-            <a:pPr lvl="1"/>
-            <a:r>
-              <a:rPr kumimoji="1" lang="ja-JP" altLang="en-US" dirty="0"/>
-              <a:t>各データ点との距離が最大となるような境界線を求めることでパターン分類を行う</a:t>
-            </a:r>
+            <a:endParaRPr lang="en-US" altLang="ja-JP" dirty="0"/>
+          </a:p>
+          <a:p>
             <a:endParaRPr kumimoji="1" lang="en-US" altLang="ja-JP" dirty="0"/>
           </a:p>
-          <a:p>
-            <a:endParaRPr lang="en-US" altLang="ja-JP" dirty="0"/>
-          </a:p>
-          <a:p>
-            <a:endParaRPr kumimoji="1" lang="en-US" altLang="ja-JP" dirty="0"/>
-          </a:p>
-        </p:txBody>
-      </p:sp>
+        </p:txBody>
+      </p:sp>
+      <p:pic>
+        <p:nvPicPr>
+          <p:cNvPr id="7" name="Picture 6" descr="https://camo.qiitausercontent.com/0964174217c8fbcd5271af92231d2dd36f3de0c4/68747470733a2f2f71696974612d696d6167652d73746f72652e73332e616d617a6f6e6177732e636f6d2f302f3130353333352f61333935316330632d663035382d343031632d303134662d3865363165323332356437322e706e67">
+            <a:extLst>
+              <a:ext uri="{FF2B5EF4-FFF2-40B4-BE49-F238E27FC236}">
+                <a16:creationId xmlns:a16="http://schemas.microsoft.com/office/drawing/2014/main" id="{CD649280-D660-4DC4-98F4-01359E624C35}"/>
+              </a:ext>
+            </a:extLst>
+          </p:cNvPr>
+          <p:cNvPicPr>
+            <a:picLocks noChangeAspect="1" noChangeArrowheads="1"/>
+          </p:cNvPicPr>
+          <p:nvPr/>
+        </p:nvPicPr>
+        <p:blipFill>
+          <a:blip r:embed="rId2">
+            <a:extLst>
+              <a:ext uri="{28A0092B-C50C-407E-A947-70E740481C1C}">
+                <a14:useLocalDpi xmlns:a14="http://schemas.microsoft.com/office/drawing/2010/main" val="0"/>
+              </a:ext>
+            </a:extLst>
+          </a:blip>
+          <a:srcRect/>
+          <a:stretch>
+            <a:fillRect/>
+          </a:stretch>
+        </p:blipFill>
+        <p:spPr bwMode="auto">
+          <a:xfrm>
+            <a:off x="628650" y="3980758"/>
+            <a:ext cx="2401420" cy="1792513"/>
+          </a:xfrm>
+          <a:prstGeom prst="rect">
+            <a:avLst/>
+          </a:prstGeom>
+          <a:noFill/>
+          <a:extLst>
+            <a:ext uri="{909E8E84-426E-40DD-AFC4-6F175D3DCCD1}">
+              <a14:hiddenFill xmlns:a14="http://schemas.microsoft.com/office/drawing/2010/main">
+                <a:solidFill>
+                  <a:srgbClr val="FFFFFF"/>
+                </a:solidFill>
+              </a14:hiddenFill>
+            </a:ext>
+          </a:extLst>
+        </p:spPr>
+      </p:pic>
+      <p:pic>
+        <p:nvPicPr>
+          <p:cNvPr id="3080" name="Picture 8" descr="https://camo.qiitausercontent.com/a8ab8146ab7024c26c9fb48ac67191f23a040a24/68747470733a2f2f71696974612d696d6167652d73746f72652e73332e616d617a6f6e6177732e636f6d2f302f3130353333352f30393862393638372d616233642d373132662d613165302d3665663062636134636532322e706e67">
+            <a:extLst>
+              <a:ext uri="{FF2B5EF4-FFF2-40B4-BE49-F238E27FC236}">
+                <a16:creationId xmlns:a16="http://schemas.microsoft.com/office/drawing/2014/main" id="{CBDB6878-12D8-4DBA-A1DF-B0BB47E50757}"/>
+              </a:ext>
+            </a:extLst>
+          </p:cNvPr>
+          <p:cNvPicPr>
+            <a:picLocks noChangeAspect="1" noChangeArrowheads="1"/>
+          </p:cNvPicPr>
+          <p:nvPr/>
+        </p:nvPicPr>
+        <p:blipFill>
+          <a:blip r:embed="rId3">
+            <a:extLst>
+              <a:ext uri="{28A0092B-C50C-407E-A947-70E740481C1C}">
+                <a14:useLocalDpi xmlns:a14="http://schemas.microsoft.com/office/drawing/2010/main" val="0"/>
+              </a:ext>
+            </a:extLst>
+          </a:blip>
+          <a:srcRect/>
+          <a:stretch>
+            <a:fillRect/>
+          </a:stretch>
+        </p:blipFill>
+        <p:spPr bwMode="auto">
+          <a:xfrm>
+            <a:off x="3369609" y="3429000"/>
+            <a:ext cx="5657850" cy="2667000"/>
+          </a:xfrm>
+          <a:prstGeom prst="rect">
+            <a:avLst/>
+          </a:prstGeom>
+          <a:noFill/>
+          <a:extLst>
+            <a:ext uri="{909E8E84-426E-40DD-AFC4-6F175D3DCCD1}">
+              <a14:hiddenFill xmlns:a14="http://schemas.microsoft.com/office/drawing/2010/main">
+                <a:solidFill>
+                  <a:srgbClr val="FFFFFF"/>
+                </a:solidFill>
+              </a14:hiddenFill>
+            </a:ext>
+          </a:extLst>
+        </p:spPr>
+      </p:pic>
     </p:spTree>
     <p:extLst>
       <p:ext uri="{BB962C8B-B14F-4D97-AF65-F5344CB8AC3E}">
-        <p14:creationId xmlns:p14="http://schemas.microsoft.com/office/powerpoint/2010/main" val="1550071585"/>
+        <p14:creationId xmlns:p14="http://schemas.microsoft.com/office/powerpoint/2010/main" val="887114272"/>
       </p:ext>
     </p:extLst>
   </p:cSld>
